--- a/Block_Diagrams/Block_Diagrams.pptx
+++ b/Block_Diagrams/Block_Diagrams.pptx
@@ -245,7 +245,7 @@
           <a:p>
             <a:fld id="{CC2ECBDD-C8DE-4B2D-A9F9-5A453D51301A}" type="datetimeFigureOut">
               <a:rPr lang="en-US" smtClean="0"/>
-              <a:t>12/7/2017</a:t>
+              <a:t>12/12/2017</a:t>
             </a:fld>
             <a:endParaRPr lang="en-US"/>
           </a:p>
@@ -415,7 +415,7 @@
           <a:p>
             <a:fld id="{CC2ECBDD-C8DE-4B2D-A9F9-5A453D51301A}" type="datetimeFigureOut">
               <a:rPr lang="en-US" smtClean="0"/>
-              <a:t>12/7/2017</a:t>
+              <a:t>12/12/2017</a:t>
             </a:fld>
             <a:endParaRPr lang="en-US"/>
           </a:p>
@@ -595,7 +595,7 @@
           <a:p>
             <a:fld id="{CC2ECBDD-C8DE-4B2D-A9F9-5A453D51301A}" type="datetimeFigureOut">
               <a:rPr lang="en-US" smtClean="0"/>
-              <a:t>12/7/2017</a:t>
+              <a:t>12/12/2017</a:t>
             </a:fld>
             <a:endParaRPr lang="en-US"/>
           </a:p>
@@ -765,7 +765,7 @@
           <a:p>
             <a:fld id="{CC2ECBDD-C8DE-4B2D-A9F9-5A453D51301A}" type="datetimeFigureOut">
               <a:rPr lang="en-US" smtClean="0"/>
-              <a:t>12/7/2017</a:t>
+              <a:t>12/12/2017</a:t>
             </a:fld>
             <a:endParaRPr lang="en-US"/>
           </a:p>
@@ -1011,7 +1011,7 @@
           <a:p>
             <a:fld id="{CC2ECBDD-C8DE-4B2D-A9F9-5A453D51301A}" type="datetimeFigureOut">
               <a:rPr lang="en-US" smtClean="0"/>
-              <a:t>12/7/2017</a:t>
+              <a:t>12/12/2017</a:t>
             </a:fld>
             <a:endParaRPr lang="en-US"/>
           </a:p>
@@ -1243,7 +1243,7 @@
           <a:p>
             <a:fld id="{CC2ECBDD-C8DE-4B2D-A9F9-5A453D51301A}" type="datetimeFigureOut">
               <a:rPr lang="en-US" smtClean="0"/>
-              <a:t>12/7/2017</a:t>
+              <a:t>12/12/2017</a:t>
             </a:fld>
             <a:endParaRPr lang="en-US"/>
           </a:p>
@@ -1610,7 +1610,7 @@
           <a:p>
             <a:fld id="{CC2ECBDD-C8DE-4B2D-A9F9-5A453D51301A}" type="datetimeFigureOut">
               <a:rPr lang="en-US" smtClean="0"/>
-              <a:t>12/7/2017</a:t>
+              <a:t>12/12/2017</a:t>
             </a:fld>
             <a:endParaRPr lang="en-US"/>
           </a:p>
@@ -1728,7 +1728,7 @@
           <a:p>
             <a:fld id="{CC2ECBDD-C8DE-4B2D-A9F9-5A453D51301A}" type="datetimeFigureOut">
               <a:rPr lang="en-US" smtClean="0"/>
-              <a:t>12/7/2017</a:t>
+              <a:t>12/12/2017</a:t>
             </a:fld>
             <a:endParaRPr lang="en-US"/>
           </a:p>
@@ -1823,7 +1823,7 @@
           <a:p>
             <a:fld id="{CC2ECBDD-C8DE-4B2D-A9F9-5A453D51301A}" type="datetimeFigureOut">
               <a:rPr lang="en-US" smtClean="0"/>
-              <a:t>12/7/2017</a:t>
+              <a:t>12/12/2017</a:t>
             </a:fld>
             <a:endParaRPr lang="en-US"/>
           </a:p>
@@ -2100,7 +2100,7 @@
           <a:p>
             <a:fld id="{CC2ECBDD-C8DE-4B2D-A9F9-5A453D51301A}" type="datetimeFigureOut">
               <a:rPr lang="en-US" smtClean="0"/>
-              <a:t>12/7/2017</a:t>
+              <a:t>12/12/2017</a:t>
             </a:fld>
             <a:endParaRPr lang="en-US"/>
           </a:p>
@@ -2353,7 +2353,7 @@
           <a:p>
             <a:fld id="{CC2ECBDD-C8DE-4B2D-A9F9-5A453D51301A}" type="datetimeFigureOut">
               <a:rPr lang="en-US" smtClean="0"/>
-              <a:t>12/7/2017</a:t>
+              <a:t>12/12/2017</a:t>
             </a:fld>
             <a:endParaRPr lang="en-US"/>
           </a:p>
@@ -2566,7 +2566,7 @@
           <a:p>
             <a:fld id="{CC2ECBDD-C8DE-4B2D-A9F9-5A453D51301A}" type="datetimeFigureOut">
               <a:rPr lang="en-US" smtClean="0"/>
-              <a:t>12/7/2017</a:t>
+              <a:t>12/12/2017</a:t>
             </a:fld>
             <a:endParaRPr lang="en-US"/>
           </a:p>
@@ -3150,23 +3150,7 @@
                   </a:outerShdw>
                 </a:effectLst>
               </a:rPr>
-              <a:t>LSTM-Note </a:t>
-            </a:r>
-            <a:r>
-              <a:rPr lang="en-US" dirty="0" smtClean="0">
-                <a:ln w="0"/>
-                <a:solidFill>
-                  <a:schemeClr val="tx1"/>
-                </a:solidFill>
-                <a:effectLst>
-                  <a:outerShdw blurRad="38100" dist="19050" dir="2700000" algn="tl" rotWithShape="0">
-                    <a:schemeClr val="dk1">
-                      <a:alpha val="40000"/>
-                    </a:schemeClr>
-                  </a:outerShdw>
-                </a:effectLst>
-              </a:rPr>
-              <a:t>Axis</a:t>
+              <a:t>LSTM-Note Axis</a:t>
             </a:r>
           </a:p>
         </p:txBody>
@@ -3243,23 +3227,7 @@
                   </a:outerShdw>
                 </a:effectLst>
               </a:rPr>
-              <a:t>LSTM-Time </a:t>
-            </a:r>
-            <a:r>
-              <a:rPr lang="en-US" dirty="0" smtClean="0">
-                <a:ln w="0"/>
-                <a:solidFill>
-                  <a:schemeClr val="tx1"/>
-                </a:solidFill>
-                <a:effectLst>
-                  <a:outerShdw blurRad="38100" dist="19050" dir="2700000" algn="tl" rotWithShape="0">
-                    <a:schemeClr val="dk1">
-                      <a:alpha val="40000"/>
-                    </a:schemeClr>
-                  </a:outerShdw>
-                </a:effectLst>
-              </a:rPr>
-              <a:t>Axis</a:t>
+              <a:t>LSTM-Time Axis</a:t>
             </a:r>
           </a:p>
         </p:txBody>
@@ -3308,7 +3276,7 @@
             </a:r>
             <a:r>
               <a:rPr lang="en-US" sz="1400" baseline="-25000" dirty="0" smtClean="0"/>
-              <a:t> x N x T</a:t>
+              <a:t> x N x T x 2</a:t>
             </a:r>
             <a:endParaRPr lang="en-US" sz="1400" baseline="-25000" dirty="0"/>
           </a:p>
@@ -3354,7 +3322,7 @@
             </a:r>
             <a:r>
               <a:rPr lang="en-US" sz="1400" baseline="-25000" dirty="0" smtClean="0"/>
-              <a:t> x N x T x 55</a:t>
+              <a:t> x N x T x 80</a:t>
             </a:r>
             <a:endParaRPr lang="en-US" sz="1400" baseline="-25000" dirty="0"/>
           </a:p>
@@ -3450,7 +3418,7 @@
             </a:r>
             <a:r>
               <a:rPr lang="en-US" sz="1400" baseline="-25000" dirty="0" smtClean="0"/>
-              <a:t> x N x T x 3 </a:t>
+              <a:t> x N x T x 2 x 2 </a:t>
             </a:r>
             <a:endParaRPr lang="en-US" sz="1400" baseline="-25000" dirty="0"/>
           </a:p>
@@ -3496,7 +3464,7 @@
             </a:r>
             <a:r>
               <a:rPr lang="en-US" sz="1400" baseline="-25000" dirty="0" smtClean="0"/>
-              <a:t> x N x T x 1</a:t>
+              <a:t> x N x T x 2</a:t>
             </a:r>
             <a:endParaRPr lang="en-US" sz="1400" baseline="-25000" dirty="0"/>
           </a:p>
@@ -4219,7 +4187,7 @@
             </a:r>
             <a:r>
               <a:rPr lang="en-US" sz="1400" baseline="-25000" dirty="0" smtClean="0"/>
-              <a:t> x N x T</a:t>
+              <a:t> x N x T x 2</a:t>
             </a:r>
             <a:endParaRPr lang="en-US" sz="1400" baseline="-25000" dirty="0"/>
           </a:p>
@@ -4852,7 +4820,7 @@
             </a:r>
             <a:r>
               <a:rPr lang="en-US" sz="1400" baseline="-25000" dirty="0" smtClean="0"/>
-              <a:t> x N x T x 3 </a:t>
+              <a:t> x N x T x 2 x 2 </a:t>
             </a:r>
             <a:endParaRPr lang="en-US" sz="1400" baseline="-25000" dirty="0"/>
           </a:p>
@@ -4898,7 +4866,7 @@
             </a:r>
             <a:r>
               <a:rPr lang="en-US" sz="1400" baseline="-25000" dirty="0" smtClean="0"/>
-              <a:t> x N x T x 1</a:t>
+              <a:t> x N x T x 2</a:t>
             </a:r>
             <a:endParaRPr lang="en-US" sz="1400" baseline="-25000" dirty="0"/>
           </a:p>
@@ -5250,99 +5218,7 @@
             </a:r>
             <a:r>
               <a:rPr lang="en-US" sz="1400" baseline="-25000" dirty="0" smtClean="0"/>
-              <a:t> x N x 1</a:t>
-            </a:r>
-            <a:endParaRPr lang="en-US" sz="1400" baseline="-25000" dirty="0"/>
-          </a:p>
-        </p:txBody>
-      </p:sp>
-      <p:sp>
-        <p:nvSpPr>
-          <p:cNvPr id="12" name="TextBox 11"/>
-          <p:cNvSpPr txBox="1"/>
-          <p:nvPr/>
-        </p:nvSpPr>
-        <p:spPr>
-          <a:xfrm>
-            <a:off x="6191431" y="2775073"/>
-            <a:ext cx="2799834" cy="307777"/>
-          </a:xfrm>
-          <a:prstGeom prst="rect">
-            <a:avLst/>
-          </a:prstGeom>
-          <a:noFill/>
-        </p:spPr>
-        <p:txBody>
-          <a:bodyPr wrap="square" rtlCol="0">
-            <a:spAutoFit/>
-          </a:bodyPr>
-          <a:lstStyle/>
-          <a:p>
-            <a:r>
-              <a:rPr lang="en-US" sz="1400" dirty="0" smtClean="0"/>
-              <a:t>[</a:t>
-            </a:r>
-            <a:r>
-              <a:rPr lang="en-US" sz="1400" dirty="0" err="1" smtClean="0"/>
-              <a:t>LogP_Output</a:t>
-            </a:r>
-            <a:r>
-              <a:rPr lang="en-US" sz="1400" dirty="0" smtClean="0"/>
-              <a:t>(t)] </a:t>
-            </a:r>
-            <a:r>
-              <a:rPr lang="en-US" sz="1400" baseline="-25000" dirty="0" err="1" smtClean="0"/>
-              <a:t>Lbatch</a:t>
-            </a:r>
-            <a:r>
-              <a:rPr lang="en-US" sz="1400" baseline="-25000" dirty="0" smtClean="0"/>
-              <a:t> x N x 1 x 3 </a:t>
-            </a:r>
-            <a:endParaRPr lang="en-US" sz="1400" baseline="-25000" dirty="0"/>
-          </a:p>
-        </p:txBody>
-      </p:sp>
-      <p:sp>
-        <p:nvSpPr>
-          <p:cNvPr id="13" name="TextBox 12"/>
-          <p:cNvSpPr txBox="1"/>
-          <p:nvPr/>
-        </p:nvSpPr>
-        <p:spPr>
-          <a:xfrm>
-            <a:off x="6191431" y="3434066"/>
-            <a:ext cx="2873306" cy="307777"/>
-          </a:xfrm>
-          <a:prstGeom prst="rect">
-            <a:avLst/>
-          </a:prstGeom>
-          <a:noFill/>
-        </p:spPr>
-        <p:txBody>
-          <a:bodyPr wrap="square" rtlCol="0">
-            <a:spAutoFit/>
-          </a:bodyPr>
-          <a:lstStyle/>
-          <a:p>
-            <a:r>
-              <a:rPr lang="en-US" sz="1400" dirty="0" smtClean="0"/>
-              <a:t>[</a:t>
-            </a:r>
-            <a:r>
-              <a:rPr lang="en-US" sz="1400" dirty="0" err="1" smtClean="0"/>
-              <a:t>Generated_Samples</a:t>
-            </a:r>
-            <a:r>
-              <a:rPr lang="en-US" sz="1400" dirty="0" smtClean="0"/>
-              <a:t>(t)] </a:t>
-            </a:r>
-            <a:r>
-              <a:rPr lang="en-US" sz="1400" baseline="-25000" dirty="0" err="1" smtClean="0"/>
-              <a:t>Lbatch</a:t>
-            </a:r>
-            <a:r>
-              <a:rPr lang="en-US" sz="1400" baseline="-25000" dirty="0" smtClean="0"/>
-              <a:t> x N x T x 1</a:t>
+              <a:t> x N x 2</a:t>
             </a:r>
             <a:endParaRPr lang="en-US" sz="1400" baseline="-25000" dirty="0"/>
           </a:p>
@@ -5394,6 +5270,98 @@
                 <a:schemeClr val="tx1"/>
               </a:solidFill>
             </a:endParaRPr>
+          </a:p>
+        </p:txBody>
+      </p:sp>
+      <p:sp>
+        <p:nvSpPr>
+          <p:cNvPr id="15" name="TextBox 14"/>
+          <p:cNvSpPr txBox="1"/>
+          <p:nvPr/>
+        </p:nvSpPr>
+        <p:spPr>
+          <a:xfrm>
+            <a:off x="6272611" y="2692314"/>
+            <a:ext cx="2799834" cy="307777"/>
+          </a:xfrm>
+          <a:prstGeom prst="rect">
+            <a:avLst/>
+          </a:prstGeom>
+          <a:noFill/>
+        </p:spPr>
+        <p:txBody>
+          <a:bodyPr wrap="square" rtlCol="0">
+            <a:spAutoFit/>
+          </a:bodyPr>
+          <a:lstStyle/>
+          <a:p>
+            <a:r>
+              <a:rPr lang="en-US" sz="1400" dirty="0" smtClean="0"/>
+              <a:t>[</a:t>
+            </a:r>
+            <a:r>
+              <a:rPr lang="en-US" sz="1400" dirty="0" err="1" smtClean="0"/>
+              <a:t>LogP_Output</a:t>
+            </a:r>
+            <a:r>
+              <a:rPr lang="en-US" sz="1400" dirty="0" smtClean="0"/>
+              <a:t>] </a:t>
+            </a:r>
+            <a:r>
+              <a:rPr lang="en-US" sz="1400" baseline="-25000" dirty="0" err="1" smtClean="0"/>
+              <a:t>Lbatch</a:t>
+            </a:r>
+            <a:r>
+              <a:rPr lang="en-US" sz="1400" baseline="-25000" dirty="0" smtClean="0"/>
+              <a:t> x N x T x 2 x 2 </a:t>
+            </a:r>
+            <a:endParaRPr lang="en-US" sz="1400" baseline="-25000" dirty="0"/>
+          </a:p>
+        </p:txBody>
+      </p:sp>
+      <p:sp>
+        <p:nvSpPr>
+          <p:cNvPr id="16" name="TextBox 15"/>
+          <p:cNvSpPr txBox="1"/>
+          <p:nvPr/>
+        </p:nvSpPr>
+        <p:spPr>
+          <a:xfrm>
+            <a:off x="6272611" y="3342190"/>
+            <a:ext cx="2873306" cy="307777"/>
+          </a:xfrm>
+          <a:prstGeom prst="rect">
+            <a:avLst/>
+          </a:prstGeom>
+          <a:noFill/>
+        </p:spPr>
+        <p:txBody>
+          <a:bodyPr wrap="square" rtlCol="0">
+            <a:spAutoFit/>
+          </a:bodyPr>
+          <a:lstStyle/>
+          <a:p>
+            <a:r>
+              <a:rPr lang="en-US" sz="1400" dirty="0" smtClean="0"/>
+              <a:t>[</a:t>
+            </a:r>
+            <a:r>
+              <a:rPr lang="en-US" sz="1400" dirty="0" err="1" smtClean="0"/>
+              <a:t>Generated_Samples</a:t>
+            </a:r>
+            <a:r>
+              <a:rPr lang="en-US" sz="1400" dirty="0" smtClean="0"/>
+              <a:t>] </a:t>
+            </a:r>
+            <a:r>
+              <a:rPr lang="en-US" sz="1400" baseline="-25000" dirty="0" err="1" smtClean="0"/>
+              <a:t>Lbatch</a:t>
+            </a:r>
+            <a:r>
+              <a:rPr lang="en-US" sz="1400" baseline="-25000" dirty="0" smtClean="0"/>
+              <a:t> x N x T x 2</a:t>
+            </a:r>
+            <a:endParaRPr lang="en-US" sz="1400" baseline="-25000" dirty="0"/>
           </a:p>
         </p:txBody>
       </p:sp>

--- a/Block_Diagrams/Block_Diagrams.pptx
+++ b/Block_Diagrams/Block_Diagrams.pptx
@@ -245,7 +245,7 @@
           <a:p>
             <a:fld id="{CC2ECBDD-C8DE-4B2D-A9F9-5A453D51301A}" type="datetimeFigureOut">
               <a:rPr lang="en-US" smtClean="0"/>
-              <a:t>12/12/2017</a:t>
+              <a:t>12/15/2017</a:t>
             </a:fld>
             <a:endParaRPr lang="en-US"/>
           </a:p>
@@ -415,7 +415,7 @@
           <a:p>
             <a:fld id="{CC2ECBDD-C8DE-4B2D-A9F9-5A453D51301A}" type="datetimeFigureOut">
               <a:rPr lang="en-US" smtClean="0"/>
-              <a:t>12/12/2017</a:t>
+              <a:t>12/15/2017</a:t>
             </a:fld>
             <a:endParaRPr lang="en-US"/>
           </a:p>
@@ -595,7 +595,7 @@
           <a:p>
             <a:fld id="{CC2ECBDD-C8DE-4B2D-A9F9-5A453D51301A}" type="datetimeFigureOut">
               <a:rPr lang="en-US" smtClean="0"/>
-              <a:t>12/12/2017</a:t>
+              <a:t>12/15/2017</a:t>
             </a:fld>
             <a:endParaRPr lang="en-US"/>
           </a:p>
@@ -765,7 +765,7 @@
           <a:p>
             <a:fld id="{CC2ECBDD-C8DE-4B2D-A9F9-5A453D51301A}" type="datetimeFigureOut">
               <a:rPr lang="en-US" smtClean="0"/>
-              <a:t>12/12/2017</a:t>
+              <a:t>12/15/2017</a:t>
             </a:fld>
             <a:endParaRPr lang="en-US"/>
           </a:p>
@@ -1011,7 +1011,7 @@
           <a:p>
             <a:fld id="{CC2ECBDD-C8DE-4B2D-A9F9-5A453D51301A}" type="datetimeFigureOut">
               <a:rPr lang="en-US" smtClean="0"/>
-              <a:t>12/12/2017</a:t>
+              <a:t>12/15/2017</a:t>
             </a:fld>
             <a:endParaRPr lang="en-US"/>
           </a:p>
@@ -1243,7 +1243,7 @@
           <a:p>
             <a:fld id="{CC2ECBDD-C8DE-4B2D-A9F9-5A453D51301A}" type="datetimeFigureOut">
               <a:rPr lang="en-US" smtClean="0"/>
-              <a:t>12/12/2017</a:t>
+              <a:t>12/15/2017</a:t>
             </a:fld>
             <a:endParaRPr lang="en-US"/>
           </a:p>
@@ -1610,7 +1610,7 @@
           <a:p>
             <a:fld id="{CC2ECBDD-C8DE-4B2D-A9F9-5A453D51301A}" type="datetimeFigureOut">
               <a:rPr lang="en-US" smtClean="0"/>
-              <a:t>12/12/2017</a:t>
+              <a:t>12/15/2017</a:t>
             </a:fld>
             <a:endParaRPr lang="en-US"/>
           </a:p>
@@ -1728,7 +1728,7 @@
           <a:p>
             <a:fld id="{CC2ECBDD-C8DE-4B2D-A9F9-5A453D51301A}" type="datetimeFigureOut">
               <a:rPr lang="en-US" smtClean="0"/>
-              <a:t>12/12/2017</a:t>
+              <a:t>12/15/2017</a:t>
             </a:fld>
             <a:endParaRPr lang="en-US"/>
           </a:p>
@@ -1823,7 +1823,7 @@
           <a:p>
             <a:fld id="{CC2ECBDD-C8DE-4B2D-A9F9-5A453D51301A}" type="datetimeFigureOut">
               <a:rPr lang="en-US" smtClean="0"/>
-              <a:t>12/12/2017</a:t>
+              <a:t>12/15/2017</a:t>
             </a:fld>
             <a:endParaRPr lang="en-US"/>
           </a:p>
@@ -2100,7 +2100,7 @@
           <a:p>
             <a:fld id="{CC2ECBDD-C8DE-4B2D-A9F9-5A453D51301A}" type="datetimeFigureOut">
               <a:rPr lang="en-US" smtClean="0"/>
-              <a:t>12/12/2017</a:t>
+              <a:t>12/15/2017</a:t>
             </a:fld>
             <a:endParaRPr lang="en-US"/>
           </a:p>
@@ -2353,7 +2353,7 @@
           <a:p>
             <a:fld id="{CC2ECBDD-C8DE-4B2D-A9F9-5A453D51301A}" type="datetimeFigureOut">
               <a:rPr lang="en-US" smtClean="0"/>
-              <a:t>12/12/2017</a:t>
+              <a:t>12/15/2017</a:t>
             </a:fld>
             <a:endParaRPr lang="en-US"/>
           </a:p>
@@ -2566,7 +2566,7 @@
           <a:p>
             <a:fld id="{CC2ECBDD-C8DE-4B2D-A9F9-5A453D51301A}" type="datetimeFigureOut">
               <a:rPr lang="en-US" smtClean="0"/>
-              <a:t>12/12/2017</a:t>
+              <a:t>12/15/2017</a:t>
             </a:fld>
             <a:endParaRPr lang="en-US"/>
           </a:p>
